--- a/todo.pptx
+++ b/todo.pptx
@@ -3119,13 +3119,263 @@
               <a:rPr lang="zh-CN" altLang="en-US"/>
               <a:t>产品方案设计 - 移动智能应</a:t>
             </a:r>
-            <a:endParaRPr lang="zh-CN" altLang="en-US"/>
+            <a:r>
+              <a:rPr lang="zh-CN" altLang="en-US"/>
+              <a:t>用</a:t>
+            </a:r>
+            <a:endParaRPr lang="zh-CN" altLang="en-US"/>
+          </a:p>
+        </p:txBody>
+      </p:sp>
+      <p:sp>
+        <p:nvSpPr>
+          <p:cNvPr id="4" name="副标题 2"/>
+          <p:cNvSpPr>
+            <a:spLocks noGrp="1"/>
+          </p:cNvSpPr>
+          <p:nvPr>
+            <p:custDataLst>
+              <p:tags r:id="rId3"/>
+            </p:custDataLst>
+          </p:nvPr>
+        </p:nvSpPr>
+        <p:spPr>
+          <a:xfrm>
+            <a:off x="1325800" y="5108530"/>
+            <a:ext cx="9799200" cy="1472400"/>
+          </a:xfrm>
+          <a:prstGeom prst="rect">
+            <a:avLst/>
+          </a:prstGeom>
+        </p:spPr>
+        <p:txBody>
+          <a:bodyPr vert="horz" lIns="90000" tIns="46800" rIns="90000" bIns="46800" rtlCol="0">
+            <a:normAutofit/>
+          </a:bodyPr>
+          <a:lstStyle>
+            <a:lvl1pPr marL="0" indent="0" algn="ctr" defTabSz="914400" rtl="0" eaLnBrk="1" fontAlgn="auto" latinLnBrk="0" hangingPunct="1">
+              <a:lnSpc>
+                <a:spcPct val="110000"/>
+              </a:lnSpc>
+              <a:spcBef>
+                <a:spcPts val="0"/>
+              </a:spcBef>
+              <a:spcAft>
+                <a:spcPts val="1000"/>
+              </a:spcAft>
+              <a:buFont typeface="Arial" panose="020B0604020202020204" pitchFamily="34" charset="0"/>
+              <a:buNone/>
+              <a:defRPr sz="2400" u="none" strike="noStrike" kern="1200" cap="none" spc="200" normalizeH="0" baseline="0">
+                <a:solidFill>
+                  <a:schemeClr val="tx1">
+                    <a:lumMod val="65000"/>
+                    <a:lumOff val="35000"/>
+                  </a:schemeClr>
+                </a:solidFill>
+                <a:uFillTx/>
+                <a:latin typeface="+mn-lt"/>
+                <a:ea typeface="+mn-ea"/>
+                <a:cs typeface="+mn-cs"/>
+              </a:defRPr>
+            </a:lvl1pPr>
+            <a:lvl2pPr marL="457200" indent="0" algn="ctr" defTabSz="914400" rtl="0" eaLnBrk="1" fontAlgn="auto" latinLnBrk="0" hangingPunct="1">
+              <a:lnSpc>
+                <a:spcPct val="120000"/>
+              </a:lnSpc>
+              <a:spcBef>
+                <a:spcPts val="0"/>
+              </a:spcBef>
+              <a:spcAft>
+                <a:spcPts val="600"/>
+              </a:spcAft>
+              <a:buFont typeface="Arial" panose="020B0604020202020204" pitchFamily="34" charset="0"/>
+              <a:buNone/>
+              <a:tabLst>
+                <a:tab pos="1609725" algn="l"/>
+                <a:tab pos="1609725" algn="l"/>
+                <a:tab pos="1609725" algn="l"/>
+                <a:tab pos="1609725" algn="l"/>
+              </a:tabLst>
+              <a:defRPr sz="2000" u="none" strike="noStrike" kern="1200" cap="none" spc="150" normalizeH="0" baseline="0">
+                <a:solidFill>
+                  <a:schemeClr val="tx1">
+                    <a:lumMod val="65000"/>
+                    <a:lumOff val="35000"/>
+                  </a:schemeClr>
+                </a:solidFill>
+                <a:uFillTx/>
+                <a:latin typeface="+mn-lt"/>
+                <a:ea typeface="+mn-ea"/>
+                <a:cs typeface="+mn-cs"/>
+              </a:defRPr>
+            </a:lvl2pPr>
+            <a:lvl3pPr marL="914400" indent="0" algn="ctr" defTabSz="914400" rtl="0" eaLnBrk="1" fontAlgn="auto" latinLnBrk="0" hangingPunct="1">
+              <a:lnSpc>
+                <a:spcPct val="120000"/>
+              </a:lnSpc>
+              <a:spcBef>
+                <a:spcPts val="0"/>
+              </a:spcBef>
+              <a:spcAft>
+                <a:spcPts val="600"/>
+              </a:spcAft>
+              <a:buFont typeface="Arial" panose="020B0604020202020204" pitchFamily="34" charset="0"/>
+              <a:buNone/>
+              <a:defRPr sz="1800" u="none" strike="noStrike" kern="1200" cap="none" spc="150" normalizeH="0" baseline="0">
+                <a:solidFill>
+                  <a:schemeClr val="tx1">
+                    <a:lumMod val="65000"/>
+                    <a:lumOff val="35000"/>
+                  </a:schemeClr>
+                </a:solidFill>
+                <a:uFillTx/>
+                <a:latin typeface="+mn-lt"/>
+                <a:ea typeface="+mn-ea"/>
+                <a:cs typeface="+mn-cs"/>
+              </a:defRPr>
+            </a:lvl3pPr>
+            <a:lvl4pPr marL="1371600" indent="0" algn="ctr" defTabSz="914400" rtl="0" eaLnBrk="1" fontAlgn="auto" latinLnBrk="0" hangingPunct="1">
+              <a:lnSpc>
+                <a:spcPct val="120000"/>
+              </a:lnSpc>
+              <a:spcBef>
+                <a:spcPts val="0"/>
+              </a:spcBef>
+              <a:spcAft>
+                <a:spcPts val="300"/>
+              </a:spcAft>
+              <a:buFont typeface="Wingdings" panose="05000000000000000000" charset="0"/>
+              <a:buNone/>
+              <a:defRPr sz="1600" u="none" strike="noStrike" kern="1200" cap="none" spc="150" normalizeH="0" baseline="0">
+                <a:solidFill>
+                  <a:schemeClr val="tx1">
+                    <a:lumMod val="65000"/>
+                    <a:lumOff val="35000"/>
+                  </a:schemeClr>
+                </a:solidFill>
+                <a:uFillTx/>
+                <a:latin typeface="+mn-lt"/>
+                <a:ea typeface="+mn-ea"/>
+                <a:cs typeface="+mn-cs"/>
+              </a:defRPr>
+            </a:lvl4pPr>
+            <a:lvl5pPr marL="1828800" indent="0" algn="ctr" defTabSz="914400" rtl="0" eaLnBrk="1" fontAlgn="auto" latinLnBrk="0" hangingPunct="1">
+              <a:lnSpc>
+                <a:spcPct val="120000"/>
+              </a:lnSpc>
+              <a:spcBef>
+                <a:spcPts val="0"/>
+              </a:spcBef>
+              <a:spcAft>
+                <a:spcPts val="300"/>
+              </a:spcAft>
+              <a:buFont typeface="Arial" panose="020B0604020202020204" pitchFamily="34" charset="0"/>
+              <a:buNone/>
+              <a:defRPr sz="1600" u="none" strike="noStrike" kern="1200" cap="none" spc="150" normalizeH="0" baseline="0">
+                <a:solidFill>
+                  <a:schemeClr val="tx1">
+                    <a:lumMod val="65000"/>
+                    <a:lumOff val="35000"/>
+                  </a:schemeClr>
+                </a:solidFill>
+                <a:uFillTx/>
+                <a:latin typeface="+mn-lt"/>
+                <a:ea typeface="+mn-ea"/>
+                <a:cs typeface="+mn-cs"/>
+              </a:defRPr>
+            </a:lvl5pPr>
+            <a:lvl6pPr marL="2286000" indent="0" algn="ctr" defTabSz="914400" rtl="0" eaLnBrk="1" latinLnBrk="0" hangingPunct="1">
+              <a:lnSpc>
+                <a:spcPct val="90000"/>
+              </a:lnSpc>
+              <a:spcBef>
+                <a:spcPts val="500"/>
+              </a:spcBef>
+              <a:buFont typeface="Arial" panose="020B0604020202020204" pitchFamily="34" charset="0"/>
+              <a:buNone/>
+              <a:defRPr sz="1600" kern="1200">
+                <a:solidFill>
+                  <a:schemeClr val="tx1"/>
+                </a:solidFill>
+                <a:latin typeface="+mn-lt"/>
+                <a:ea typeface="+mn-ea"/>
+                <a:cs typeface="+mn-cs"/>
+              </a:defRPr>
+            </a:lvl6pPr>
+            <a:lvl7pPr marL="2743200" indent="0" algn="ctr" defTabSz="914400" rtl="0" eaLnBrk="1" latinLnBrk="0" hangingPunct="1">
+              <a:lnSpc>
+                <a:spcPct val="90000"/>
+              </a:lnSpc>
+              <a:spcBef>
+                <a:spcPts val="500"/>
+              </a:spcBef>
+              <a:buFont typeface="Arial" panose="020B0604020202020204" pitchFamily="34" charset="0"/>
+              <a:buNone/>
+              <a:defRPr sz="1600" kern="1200">
+                <a:solidFill>
+                  <a:schemeClr val="tx1"/>
+                </a:solidFill>
+                <a:latin typeface="+mn-lt"/>
+                <a:ea typeface="+mn-ea"/>
+                <a:cs typeface="+mn-cs"/>
+              </a:defRPr>
+            </a:lvl7pPr>
+            <a:lvl8pPr marL="3200400" indent="0" algn="ctr" defTabSz="914400" rtl="0" eaLnBrk="1" latinLnBrk="0" hangingPunct="1">
+              <a:lnSpc>
+                <a:spcPct val="90000"/>
+              </a:lnSpc>
+              <a:spcBef>
+                <a:spcPts val="500"/>
+              </a:spcBef>
+              <a:buFont typeface="Arial" panose="020B0604020202020204" pitchFamily="34" charset="0"/>
+              <a:buNone/>
+              <a:defRPr sz="1600" kern="1200">
+                <a:solidFill>
+                  <a:schemeClr val="tx1"/>
+                </a:solidFill>
+                <a:latin typeface="+mn-lt"/>
+                <a:ea typeface="+mn-ea"/>
+                <a:cs typeface="+mn-cs"/>
+              </a:defRPr>
+            </a:lvl8pPr>
+            <a:lvl9pPr marL="3657600" indent="0" algn="ctr" defTabSz="914400" rtl="0" eaLnBrk="1" latinLnBrk="0" hangingPunct="1">
+              <a:lnSpc>
+                <a:spcPct val="90000"/>
+              </a:lnSpc>
+              <a:spcBef>
+                <a:spcPts val="500"/>
+              </a:spcBef>
+              <a:buFont typeface="Arial" panose="020B0604020202020204" pitchFamily="34" charset="0"/>
+              <a:buNone/>
+              <a:defRPr sz="1600" kern="1200">
+                <a:solidFill>
+                  <a:schemeClr val="tx1"/>
+                </a:solidFill>
+                <a:latin typeface="+mn-lt"/>
+                <a:ea typeface="+mn-ea"/>
+                <a:cs typeface="+mn-cs"/>
+              </a:defRPr>
+            </a:lvl9pPr>
+          </a:lstStyle>
+          <a:p>
+            <a:r>
+              <a:rPr lang="zh-CN" altLang="en-US" sz="2000"/>
+              <a:t>团体成员</a:t>
+            </a:r>
+            <a:endParaRPr lang="zh-CN" altLang="en-US" sz="2000"/>
+          </a:p>
+          <a:p>
+            <a:r>
+              <a:rPr lang="zh-CN" altLang="en-US" sz="2000"/>
+              <a:t>陈浩、何子亨、黎炜堂、黄润</a:t>
+            </a:r>
+            <a:endParaRPr lang="zh-CN" altLang="en-US" sz="2000"/>
           </a:p>
         </p:txBody>
       </p:sp>
     </p:spTree>
     <p:custDataLst>
-      <p:tags r:id="rId3"/>
+      <p:tags r:id="rId4"/>
     </p:custDataLst>
   </p:cSld>
   <p:clrMapOvr>
@@ -4652,6 +4902,29 @@
 
 <file path=ppt/tags/tag65.xml><?xml version="1.0" encoding="utf-8"?>
 <p:tagLst xmlns:p="http://schemas.openxmlformats.org/presentationml/2006/main">
+  <p:tag name="KSO_WM_UNIT_ISCONTENTSTITLE" val="0"/>
+  <p:tag name="KSO_WM_UNIT_ISNUMDGMTITLE" val="0"/>
+  <p:tag name="KSO_WM_UNIT_PRESET_TEXT" val="单击输入您的封面副标题"/>
+  <p:tag name="KSO_WM_UNIT_NOCLEAR" val="0"/>
+  <p:tag name="KSO_WM_UNIT_SHOW_EDIT_AREA_INDICATION" val="1"/>
+  <p:tag name="KSO_WM_UNIT_VALUE" val="111"/>
+  <p:tag name="KSO_WM_UNIT_HIGHLIGHT" val="0"/>
+  <p:tag name="KSO_WM_UNIT_COMPATIBLE" val="0"/>
+  <p:tag name="KSO_WM_UNIT_DIAGRAM_ISNUMVISUAL" val="0"/>
+  <p:tag name="KSO_WM_UNIT_DIAGRAM_ISREFERUNIT" val="0"/>
+  <p:tag name="KSO_WM_UNIT_TYPE" val="b"/>
+  <p:tag name="KSO_WM_UNIT_INDEX" val="1"/>
+  <p:tag name="KSO_WM_UNIT_ID" val="custom20205176_1*b*1"/>
+  <p:tag name="KSO_WM_TEMPLATE_CATEGORY" val="custom"/>
+  <p:tag name="KSO_WM_TEMPLATE_INDEX" val="20205176"/>
+  <p:tag name="KSO_WM_UNIT_LAYERLEVEL" val="1"/>
+  <p:tag name="KSO_WM_TAG_VERSION" val="1.0"/>
+  <p:tag name="KSO_WM_BEAUTIFY_FLAG" val="#wm#"/>
+</p:tagLst>
+</file>
+
+<file path=ppt/tags/tag66.xml><?xml version="1.0" encoding="utf-8"?>
+<p:tagLst xmlns:p="http://schemas.openxmlformats.org/presentationml/2006/main">
   <p:tag name="KSO_WM_SLIDE_ID" val="custom20205176_1"/>
   <p:tag name="KSO_WM_TEMPLATE_SUBCATEGORY" val="19"/>
   <p:tag name="KSO_WM_TEMPLATE_MASTER_TYPE" val="0"/>
@@ -4671,7 +4944,7 @@
 </p:tagLst>
 </file>
 
-<file path=ppt/tags/tag66.xml><?xml version="1.0" encoding="utf-8"?>
+<file path=ppt/tags/tag67.xml><?xml version="1.0" encoding="utf-8"?>
 <p:tagLst xmlns:p="http://schemas.openxmlformats.org/presentationml/2006/main">
   <p:tag name="KSO_WM_BEAUTIFY_FLAG" val="#wm#"/>
   <p:tag name="KSO_WM_TEMPLATE_CATEGORY" val="custom"/>
@@ -4679,7 +4952,7 @@
 </p:tagLst>
 </file>
 
-<file path=ppt/tags/tag67.xml><?xml version="1.0" encoding="utf-8"?>
+<file path=ppt/tags/tag68.xml><?xml version="1.0" encoding="utf-8"?>
 <p:tagLst xmlns:p="http://schemas.openxmlformats.org/presentationml/2006/main">
   <p:tag name="KSO_WM_BEAUTIFY_FLAG" val="#wm#"/>
   <p:tag name="KSO_WM_TEMPLATE_CATEGORY" val="custom"/>
@@ -4687,7 +4960,7 @@
 </p:tagLst>
 </file>
 
-<file path=ppt/tags/tag68.xml><?xml version="1.0" encoding="utf-8"?>
+<file path=ppt/tags/tag69.xml><?xml version="1.0" encoding="utf-8"?>
 <p:tagLst xmlns:p="http://schemas.openxmlformats.org/presentationml/2006/main">
   <p:tag name="KSO_WM_BEAUTIFY_FLAG" val="#wm#"/>
   <p:tag name="KSO_WM_TEMPLATE_CATEGORY" val="custom"/>
@@ -4695,7 +4968,20 @@
 </p:tagLst>
 </file>
 
-<file path=ppt/tags/tag69.xml><?xml version="1.0" encoding="utf-8"?>
+<file path=ppt/tags/tag7.xml><?xml version="1.0" encoding="utf-8"?>
+<p:tagLst xmlns:p="http://schemas.openxmlformats.org/presentationml/2006/main">
+  <p:tag name="KSO_WM_UNIT_HIGHLIGHT" val="0"/>
+  <p:tag name="KSO_WM_UNIT_COMPATIBLE" val="0"/>
+  <p:tag name="KSO_WM_UNIT_DIAGRAM_ISNUMVISUAL" val="0"/>
+  <p:tag name="KSO_WM_UNIT_DIAGRAM_ISREFERUNIT" val="0"/>
+  <p:tag name="KSO_WM_UNIT_ID" val="_2**"/>
+  <p:tag name="KSO_WM_UNIT_LAYERLEVEL" val="1"/>
+  <p:tag name="KSO_WM_TAG_VERSION" val="1.0"/>
+  <p:tag name="KSO_WM_BEAUTIFY_FLAG" val="#wm#"/>
+</p:tagLst>
+</file>
+
+<file path=ppt/tags/tag70.xml><?xml version="1.0" encoding="utf-8"?>
 <p:tagLst xmlns:p="http://schemas.openxmlformats.org/presentationml/2006/main">
   <p:tag name="KSO_WM_BEAUTIFY_FLAG" val="#wm#"/>
   <p:tag name="KSO_WM_TEMPLATE_CATEGORY" val="custom"/>
@@ -4703,20 +4989,7 @@
 </p:tagLst>
 </file>
 
-<file path=ppt/tags/tag7.xml><?xml version="1.0" encoding="utf-8"?>
-<p:tagLst xmlns:p="http://schemas.openxmlformats.org/presentationml/2006/main">
-  <p:tag name="KSO_WM_UNIT_HIGHLIGHT" val="0"/>
-  <p:tag name="KSO_WM_UNIT_COMPATIBLE" val="0"/>
-  <p:tag name="KSO_WM_UNIT_DIAGRAM_ISNUMVISUAL" val="0"/>
-  <p:tag name="KSO_WM_UNIT_DIAGRAM_ISREFERUNIT" val="0"/>
-  <p:tag name="KSO_WM_UNIT_ID" val="_2**"/>
-  <p:tag name="KSO_WM_UNIT_LAYERLEVEL" val="1"/>
-  <p:tag name="KSO_WM_TAG_VERSION" val="1.0"/>
-  <p:tag name="KSO_WM_BEAUTIFY_FLAG" val="#wm#"/>
-</p:tagLst>
-</file>
-
-<file path=ppt/tags/tag70.xml><?xml version="1.0" encoding="utf-8"?>
+<file path=ppt/tags/tag71.xml><?xml version="1.0" encoding="utf-8"?>
 <p:tagLst xmlns:p="http://schemas.openxmlformats.org/presentationml/2006/main">
   <p:tag name="KSO_WM_BEAUTIFY_FLAG" val="#wm#"/>
   <p:tag name="KSO_WM_TEMPLATE_CATEGORY" val="custom"/>
@@ -4724,7 +4997,7 @@
 </p:tagLst>
 </file>
 
-<file path=ppt/tags/tag71.xml><?xml version="1.0" encoding="utf-8"?>
+<file path=ppt/tags/tag72.xml><?xml version="1.0" encoding="utf-8"?>
 <p:tagLst xmlns:p="http://schemas.openxmlformats.org/presentationml/2006/main">
   <p:tag name="KSO_WM_BEAUTIFY_FLAG" val="#wm#"/>
   <p:tag name="KSO_WM_TEMPLATE_CATEGORY" val="custom"/>
@@ -4732,7 +5005,7 @@
 </p:tagLst>
 </file>
 
-<file path=ppt/tags/tag72.xml><?xml version="1.0" encoding="utf-8"?>
+<file path=ppt/tags/tag73.xml><?xml version="1.0" encoding="utf-8"?>
 <p:tagLst xmlns:p="http://schemas.openxmlformats.org/presentationml/2006/main">
   <p:tag name="KSO_WM_BEAUTIFY_FLAG" val="#wm#"/>
   <p:tag name="KSO_WM_TEMPLATE_CATEGORY" val="custom"/>
